--- a/CR/CR Projet PA.odp [Réparé].pptx
+++ b/CR/CR Projet PA.odp [Réparé].pptx
@@ -2282,13 +2282,13 @@
     <dgm:cxn modelId="{B8F1661E-8DF3-4E5B-99F5-CA83B811DD8A}" srcId="{44AC5ED8-AE20-46A2-8DF2-A408ED2F9B92}" destId="{26B67DFD-9CED-4E11-9087-CAB56755A42C}" srcOrd="2" destOrd="0" parTransId="{E7A8CF68-BBD9-4457-A601-2B4079091A7E}" sibTransId="{AE98B484-2FC2-48C5-886E-52B6BDC57BA7}"/>
     <dgm:cxn modelId="{35386B77-C623-4FAB-94C9-B7A76FD4E43F}" type="presOf" srcId="{E7A8CF68-BBD9-4457-A601-2B4079091A7E}" destId="{67B333CF-02BB-49D3-B86E-23F6FC717FD3}" srcOrd="0" destOrd="0" presId="urn:microsoft.com/office/officeart/2005/8/layout/radial2"/>
     <dgm:cxn modelId="{1B18C837-4F0D-406A-9311-41BD9E1647F3}" type="presOf" srcId="{26B67DFD-9CED-4E11-9087-CAB56755A42C}" destId="{28340D16-0894-4715-8D62-51B02BFC62AD}" srcOrd="0" destOrd="0" presId="urn:microsoft.com/office/officeart/2005/8/layout/radial2"/>
+    <dgm:cxn modelId="{310BA85B-44BA-4C67-9002-6C102A2AB629}" srcId="{4F87FAEF-7D5C-4FFD-A17D-54FE01A86A9B}" destId="{51B508DA-C56F-4C52-BE95-F309D190F555}" srcOrd="1" destOrd="0" parTransId="{FDB7E283-A9A3-4DCD-9C8A-C08BC1F1FF89}" sibTransId="{4773E67B-57C8-42D3-9352-2E39B5B6CBBA}"/>
     <dgm:cxn modelId="{06DDDE04-AE56-4DE4-95BC-A6F558D6D9EB}" type="presOf" srcId="{51B508DA-C56F-4C52-BE95-F309D190F555}" destId="{BEFAC42F-4423-4FEA-B02D-59E9E8684840}" srcOrd="0" destOrd="1" presId="urn:microsoft.com/office/officeart/2005/8/layout/radial2"/>
-    <dgm:cxn modelId="{310BA85B-44BA-4C67-9002-6C102A2AB629}" srcId="{4F87FAEF-7D5C-4FFD-A17D-54FE01A86A9B}" destId="{51B508DA-C56F-4C52-BE95-F309D190F555}" srcOrd="1" destOrd="0" parTransId="{FDB7E283-A9A3-4DCD-9C8A-C08BC1F1FF89}" sibTransId="{4773E67B-57C8-42D3-9352-2E39B5B6CBBA}"/>
     <dgm:cxn modelId="{B525F2CB-BEFB-4590-9434-2F8C5412BDC3}" type="presOf" srcId="{13E92CD5-B6D6-4D5B-8310-D826AED30661}" destId="{7BF02B20-0D97-4B6F-B75F-C72469F13F67}" srcOrd="0" destOrd="2" presId="urn:microsoft.com/office/officeart/2005/8/layout/radial2"/>
+    <dgm:cxn modelId="{36DA585B-ACD1-4E42-9374-B94E827CF0B6}" type="presOf" srcId="{44AC5ED8-AE20-46A2-8DF2-A408ED2F9B92}" destId="{823A4688-9E01-479A-BB80-9E8BF54D0D40}" srcOrd="0" destOrd="0" presId="urn:microsoft.com/office/officeart/2005/8/layout/radial2"/>
     <dgm:cxn modelId="{70F7F618-5950-464C-8635-E1CA6DA91147}" srcId="{0D446966-83E2-4D5B-BFE8-5D22ED495059}" destId="{306C2FE5-9CB4-4DE9-89EB-0326939DB5E5}" srcOrd="0" destOrd="0" parTransId="{3AB315AA-E090-4802-97F4-327C8AF83F49}" sibTransId="{B1097792-5852-41DC-BE43-F659EEFA7B10}"/>
-    <dgm:cxn modelId="{36DA585B-ACD1-4E42-9374-B94E827CF0B6}" type="presOf" srcId="{44AC5ED8-AE20-46A2-8DF2-A408ED2F9B92}" destId="{823A4688-9E01-479A-BB80-9E8BF54D0D40}" srcOrd="0" destOrd="0" presId="urn:microsoft.com/office/officeart/2005/8/layout/radial2"/>
+    <dgm:cxn modelId="{61F39E2E-C0AC-4738-9F85-3E02EA167EF6}" type="presOf" srcId="{A8CC4F97-DB24-41D4-B0E2-9B1DD1A5B43F}" destId="{58182AFA-F3AF-4E21-9FDB-D55AA82E2E7D}" srcOrd="0" destOrd="0" presId="urn:microsoft.com/office/officeart/2005/8/layout/radial2"/>
     <dgm:cxn modelId="{C7CC8BA3-FAB4-42AF-AD02-22B38A32662C}" srcId="{0D446966-83E2-4D5B-BFE8-5D22ED495059}" destId="{13E92CD5-B6D6-4D5B-8310-D826AED30661}" srcOrd="2" destOrd="0" parTransId="{EBEB1920-6455-4901-B749-996F6312FFA0}" sibTransId="{705B40B1-37A4-467C-8EB5-E57474BF2FD9}"/>
-    <dgm:cxn modelId="{61F39E2E-C0AC-4738-9F85-3E02EA167EF6}" type="presOf" srcId="{A8CC4F97-DB24-41D4-B0E2-9B1DD1A5B43F}" destId="{58182AFA-F3AF-4E21-9FDB-D55AA82E2E7D}" srcOrd="0" destOrd="0" presId="urn:microsoft.com/office/officeart/2005/8/layout/radial2"/>
     <dgm:cxn modelId="{1D888CF3-8A33-4752-B882-E3B45767BCAD}" type="presOf" srcId="{4F87FAEF-7D5C-4FFD-A17D-54FE01A86A9B}" destId="{F6B2BE10-7DE2-4EFF-9696-5D05D43E6485}" srcOrd="0" destOrd="0" presId="urn:microsoft.com/office/officeart/2005/8/layout/radial2"/>
     <dgm:cxn modelId="{92953E46-842B-4CD3-82B0-06D6F829A227}" type="presOf" srcId="{8605666E-5036-4C46-A829-F0EAB8DEC678}" destId="{7BF02B20-0D97-4B6F-B75F-C72469F13F67}" srcOrd="0" destOrd="1" presId="urn:microsoft.com/office/officeart/2005/8/layout/radial2"/>
     <dgm:cxn modelId="{EE55C9DF-24EA-4C5D-84FE-199FBBA908F4}" srcId="{26B67DFD-9CED-4E11-9087-CAB56755A42C}" destId="{C7CCC8BC-0F09-4750-A229-2AA1CBF54A56}" srcOrd="0" destOrd="0" parTransId="{6391AA94-2D1E-49A3-9AB7-A1116109BA40}" sibTransId="{9BD95BDF-6E9E-4D80-B470-1292368678D1}"/>
@@ -11767,21 +11767,7 @@
                 <a:ea typeface="Microsoft YaHei" pitchFamily="2"/>
                 <a:cs typeface="Lucida Sans" pitchFamily="2"/>
               </a:rPr>
-              <a:t>Solutions proposées</a:t>
-            </a:r>
-            <a:r>
-              <a:rPr lang="fr-FR" sz="3200" b="1" i="0" u="none" strike="noStrike" kern="1200" spc="0" baseline="0" dirty="0" smtClean="0">
-                <a:ln>
-                  <a:noFill/>
-                </a:ln>
-                <a:solidFill>
-                  <a:srgbClr val="000000"/>
-                </a:solidFill>
-                <a:latin typeface="Calibri" pitchFamily="18"/>
-                <a:ea typeface="Microsoft YaHei" pitchFamily="2"/>
-                <a:cs typeface="Lucida Sans" pitchFamily="2"/>
-              </a:rPr>
-              <a:t>: </a:t>
+              <a:t>Solutions proposées: </a:t>
             </a:r>
             <a:r>
               <a:rPr lang="fr-FR" sz="3200" b="1" i="0" u="none" strike="noStrike" kern="1200" spc="0" baseline="0" dirty="0" err="1" smtClean="0">
@@ -11898,21 +11884,7 @@
                 <a:ea typeface="Microsoft YaHei" pitchFamily="2"/>
                 <a:cs typeface="Lucida Sans" pitchFamily="2"/>
               </a:rPr>
-              <a:t>Solutions proposées</a:t>
-            </a:r>
-            <a:r>
-              <a:rPr lang="fr-FR" sz="3200" b="1" i="0" u="none" strike="noStrike" kern="1200" spc="0" baseline="0" dirty="0" smtClean="0">
-                <a:ln>
-                  <a:noFill/>
-                </a:ln>
-                <a:solidFill>
-                  <a:srgbClr val="000000"/>
-                </a:solidFill>
-                <a:latin typeface="Calibri" pitchFamily="18"/>
-                <a:ea typeface="Microsoft YaHei" pitchFamily="2"/>
-                <a:cs typeface="Lucida Sans" pitchFamily="2"/>
-              </a:rPr>
-              <a:t>: fit gaussien</a:t>
+              <a:t>Solutions proposées: fit gaussien</a:t>
             </a:r>
             <a:endParaRPr lang="fr-FR" sz="3200" b="1" i="0" u="none" strike="noStrike" kern="1200" spc="0" baseline="0" dirty="0">
               <a:ln>
@@ -13160,7 +13132,6 @@
               <a:rPr lang="fr-FR" sz="2400" b="1" i="1" dirty="0" smtClean="0"/>
               <a:t>guide</a:t>
             </a:r>
-            <a:endParaRPr lang="fr-FR" sz="2400" b="1" i="1" dirty="0" smtClean="0"/>
           </a:p>
           <a:p>
             <a:endParaRPr lang="fr-FR" sz="2400" dirty="0"/>
@@ -13194,7 +13165,7 @@
         <p:spPr bwMode="auto">
           <a:xfrm>
             <a:off x="477466" y="1550822"/>
-            <a:ext cx="7562894" cy="5325359"/>
+            <a:ext cx="7371158" cy="5190349"/>
           </a:xfrm>
           <a:prstGeom prst="rect">
             <a:avLst/>
@@ -13356,13 +13327,13 @@
           <p:nvPr>
             <p:extLst>
               <p:ext uri="{D42A27DB-BD31-4B8C-83A1-F6EECF244321}">
-                <p14:modId xmlns:p14="http://schemas.microsoft.com/office/powerpoint/2010/main" val="2780850457"/>
+                <p14:modId xmlns:p14="http://schemas.microsoft.com/office/powerpoint/2010/main" val="3105427020"/>
               </p:ext>
             </p:extLst>
           </p:nvPr>
         </p:nvGraphicFramePr>
         <p:xfrm>
-          <a:off x="343080" y="1187549"/>
+          <a:off x="863848" y="1187549"/>
           <a:ext cx="6720417" cy="4480278"/>
         </p:xfrm>
         <a:graphic>
@@ -13395,7 +13366,11 @@
           <a:p>
             <a:r>
               <a:rPr lang="fr-FR" sz="2800" dirty="0" smtClean="0"/>
-              <a:t>Quelques problèmes rencontrés: </a:t>
+              <a:t>Quelques problèmes </a:t>
+            </a:r>
+            <a:r>
+              <a:rPr lang="fr-FR" sz="2800" dirty="0" smtClean="0"/>
+              <a:t>rencontrés </a:t>
             </a:r>
             <a:endParaRPr lang="fr-FR" sz="2800" dirty="0"/>
           </a:p>
@@ -17313,11 +17288,6 @@
               </a:rPr>
               <a:t>GUI</a:t>
             </a:r>
-            <a:endParaRPr lang="fr-FR" sz="5300" dirty="0">
-              <a:solidFill>
-                <a:schemeClr val="bg1"/>
-              </a:solidFill>
-            </a:endParaRPr>
           </a:p>
         </p:txBody>
       </p:sp>
@@ -17508,21 +17478,7 @@
                 <a:ea typeface="Microsoft YaHei" pitchFamily="2"/>
                 <a:cs typeface="Lucida Sans" pitchFamily="2"/>
               </a:rPr>
-              <a:t>Solutions proposées</a:t>
-            </a:r>
-            <a:r>
-              <a:rPr lang="fr-FR" sz="3200" b="1" i="0" u="none" strike="noStrike" kern="1200" spc="0" baseline="0" dirty="0" smtClean="0">
-                <a:ln>
-                  <a:noFill/>
-                </a:ln>
-                <a:solidFill>
-                  <a:srgbClr val="000000"/>
-                </a:solidFill>
-                <a:latin typeface="Calibri" pitchFamily="18"/>
-                <a:ea typeface="Microsoft YaHei" pitchFamily="2"/>
-                <a:cs typeface="Lucida Sans" pitchFamily="2"/>
-              </a:rPr>
-              <a:t>: </a:t>
+              <a:t>Solutions proposées: </a:t>
             </a:r>
             <a:r>
               <a:rPr lang="fr-FR" sz="3200" b="1" i="0" u="none" strike="noStrike" kern="1200" spc="0" baseline="0" dirty="0" err="1" smtClean="0">
@@ -18150,21 +18106,7 @@
                 <a:ea typeface="Microsoft YaHei" pitchFamily="2"/>
                 <a:cs typeface="Lucida Sans" pitchFamily="2"/>
               </a:rPr>
-              <a:t>Solutions proposées</a:t>
-            </a:r>
-            <a:r>
-              <a:rPr lang="fr-FR" sz="3200" b="1" i="0" u="none" strike="noStrike" kern="1200" spc="0" baseline="0" dirty="0" smtClean="0">
-                <a:ln>
-                  <a:noFill/>
-                </a:ln>
-                <a:solidFill>
-                  <a:srgbClr val="000000"/>
-                </a:solidFill>
-                <a:latin typeface="Calibri" pitchFamily="18"/>
-                <a:ea typeface="Microsoft YaHei" pitchFamily="2"/>
-                <a:cs typeface="Lucida Sans" pitchFamily="2"/>
-              </a:rPr>
-              <a:t>: </a:t>
+              <a:t>Solutions proposées: </a:t>
             </a:r>
             <a:r>
               <a:rPr lang="fr-FR" sz="3200" b="1" i="0" u="none" strike="noStrike" kern="1200" spc="0" baseline="0" dirty="0" err="1" smtClean="0">
